--- a/Multiscale Retinex.pptx
+++ b/Multiscale Retinex.pptx
@@ -113,6 +113,11 @@
       </a:defRPr>
     </a:lvl9pPr>
   </p:defaultTextStyle>
+  <p:extLst>
+    <p:ext uri="{EFAFB233-063F-42B5-8137-9DF3F51BA10A}">
+      <p15:sldGuideLst xmlns:p15="http://schemas.microsoft.com/office/powerpoint/2012/main"/>
+    </p:ext>
+  </p:extLst>
 </p:presentation>
 </file>
 
@@ -6412,8 +6417,22 @@
             <a:pPr lvl="3"/>
             <a:r>
               <a:rPr lang="en-US" dirty="0"/>
-              <a:t>F = filter (Gaussian filter) </a:t>
-            </a:r>
+              <a:t>F = filter (Gaussian filter)</a:t>
+            </a:r>
+          </a:p>
+          <a:p>
+            <a:pPr marL="810000" lvl="2" indent="0">
+              <a:buNone/>
+            </a:pPr>
+            <a:r>
+              <a:rPr lang="en-US" dirty="0"/>
+              <a:t>To solve log(0) problem, 1 was added to the </a:t>
+            </a:r>
+            <a:r>
+              <a:rPr lang="en-US"/>
+              <a:t>whole image </a:t>
+            </a:r>
+            <a:endParaRPr lang="en-US" dirty="0"/>
           </a:p>
           <a:p>
             <a:pPr marL="450000" lvl="1" indent="0">
@@ -6549,21 +6568,21 @@
                 <a:pPr marL="871200" lvl="1" indent="-457200"/>
                 <a:r>
                   <a:rPr lang="en-US" dirty="0"/>
-                  <a:t>Sigma = 15</a:t>
+                  <a:t>Sigma = 5</a:t>
                 </a:r>
               </a:p>
               <a:p>
                 <a:pPr marL="871200" lvl="1" indent="-457200"/>
                 <a:r>
                   <a:rPr lang="en-US" dirty="0"/>
-                  <a:t>Sigma = 80</a:t>
+                  <a:t>Sigma = 50</a:t>
                 </a:r>
               </a:p>
               <a:p>
                 <a:pPr marL="871200" lvl="1" indent="-457200"/>
                 <a:r>
                   <a:rPr lang="en-US" dirty="0"/>
-                  <a:t>Sigma = 250</a:t>
+                  <a:t>Sigma = 170</a:t>
                 </a:r>
               </a:p>
               <a:p>
@@ -7228,85 +7247,256 @@
                     </m:f>
                   </m:oMath>
                 </a14:m>
+                <a:r>
+                  <a:rPr lang="en-US" dirty="0"/>
+                  <a:t>   (S= 3 &lt;- red green and blue)</a:t>
+                </a:r>
+              </a:p>
+              <a:p>
+                <a:pPr lvl="1"/>
+                <a:r>
+                  <a:rPr lang="en-US" dirty="0"/>
+                  <a:t>C</a:t>
+                </a:r>
+                <a:r>
+                  <a:rPr lang="en-US" baseline="-25000" dirty="0"/>
+                  <a:t>i</a:t>
+                </a:r>
+                <a:r>
+                  <a:rPr lang="en-US" dirty="0"/>
+                  <a:t>(</a:t>
+                </a:r>
+                <a:r>
+                  <a:rPr lang="en-US" dirty="0" err="1"/>
+                  <a:t>x,y</a:t>
+                </a:r>
+                <a:r>
+                  <a:rPr lang="en-US" dirty="0"/>
+                  <a:t>) = </a:t>
+                </a:r>
+                <a:r>
+                  <a:rPr lang="el-GR" dirty="0">
+                    <a:effectLst/>
+                  </a:rPr>
+                  <a:t>β</a:t>
+                </a:r>
+                <a:r>
+                  <a:rPr lang="en-US" dirty="0">
+                    <a:effectLst/>
+                  </a:rPr>
+                  <a:t>*log(</a:t>
+                </a:r>
+                <a:r>
+                  <a:rPr lang="el-GR" dirty="0">
+                    <a:effectLst/>
+                  </a:rPr>
+                  <a:t>α</a:t>
+                </a:r>
+                <a:r>
+                  <a:rPr lang="en-US" dirty="0">
+                    <a:effectLst/>
+                  </a:rPr>
+                  <a:t>* </a:t>
+                </a:r>
+                <a:r>
+                  <a:rPr lang="en-US" dirty="0" err="1">
+                    <a:effectLst/>
+                  </a:rPr>
+                  <a:t>I’</a:t>
+                </a:r>
+                <a:r>
+                  <a:rPr lang="en-US" baseline="-25000" dirty="0" err="1">
+                    <a:effectLst/>
+                  </a:rPr>
+                  <a:t>i</a:t>
+                </a:r>
+                <a:r>
+                  <a:rPr lang="en-US" dirty="0">
+                    <a:effectLst/>
+                  </a:rPr>
+                  <a:t>(</a:t>
+                </a:r>
+                <a:r>
+                  <a:rPr lang="en-US" dirty="0" err="1">
+                    <a:effectLst/>
+                  </a:rPr>
+                  <a:t>x,y</a:t>
+                </a:r>
+                <a:r>
+                  <a:rPr lang="en-US" dirty="0">
+                    <a:effectLst/>
+                  </a:rPr>
+                  <a:t>))   (</a:t>
+                </a:r>
+                <a:r>
+                  <a:rPr lang="el-GR" dirty="0">
+                    <a:effectLst/>
+                  </a:rPr>
+                  <a:t>β</a:t>
+                </a:r>
+                <a:r>
+                  <a:rPr lang="en-US" dirty="0">
+                    <a:effectLst/>
+                  </a:rPr>
+                  <a:t> = 46, </a:t>
+                </a:r>
+                <a:r>
+                  <a:rPr lang="el-GR" dirty="0">
+                    <a:effectLst/>
+                  </a:rPr>
+                  <a:t>α</a:t>
+                </a:r>
+                <a:r>
+                  <a:rPr lang="en-US" dirty="0">
+                    <a:effectLst/>
+                  </a:rPr>
+                  <a:t>= 125)</a:t>
+                </a:r>
                 <a:endParaRPr lang="en-US" dirty="0"/>
               </a:p>
               <a:p>
                 <a:pPr lvl="1"/>
                 <a:r>
+                  <a:rPr lang="es-ES" dirty="0" err="1"/>
+                  <a:t>R</a:t>
+                </a:r>
+                <a:r>
+                  <a:rPr lang="es-ES" baseline="-25000" dirty="0" err="1"/>
+                  <a:t>MSRCRi</a:t>
+                </a:r>
+                <a:r>
+                  <a:rPr lang="es-ES" dirty="0"/>
+                  <a:t> (x, y) = C</a:t>
+                </a:r>
+                <a:r>
+                  <a:rPr lang="es-ES" baseline="-25000" dirty="0"/>
+                  <a:t>i</a:t>
+                </a:r>
+                <a:r>
+                  <a:rPr lang="es-ES" dirty="0"/>
+                  <a:t>(x, y)*</a:t>
+                </a:r>
+                <a:r>
+                  <a:rPr lang="es-ES" dirty="0" err="1"/>
+                  <a:t>R</a:t>
+                </a:r>
+                <a:r>
+                  <a:rPr lang="es-ES" baseline="-25000" dirty="0" err="1"/>
+                  <a:t>MSRi</a:t>
+                </a:r>
+                <a:r>
+                  <a:rPr lang="es-ES" dirty="0"/>
+                  <a:t> (x, y)</a:t>
+                </a:r>
+              </a:p>
+              <a:p>
+                <a:r>
+                  <a:rPr lang="es-ES" dirty="0" err="1"/>
+                  <a:t>Because</a:t>
+                </a:r>
+                <a:r>
+                  <a:rPr lang="es-ES" dirty="0"/>
+                  <a:t> </a:t>
+                </a:r>
+                <a:r>
+                  <a:rPr lang="es-ES" dirty="0" err="1"/>
+                  <a:t>of</a:t>
+                </a:r>
+                <a:r>
+                  <a:rPr lang="es-ES" dirty="0"/>
+                  <a:t> </a:t>
+                </a:r>
+                <a:r>
+                  <a:rPr lang="es-ES" dirty="0" err="1"/>
+                  <a:t>the</a:t>
+                </a:r>
+                <a:r>
+                  <a:rPr lang="es-ES" dirty="0"/>
+                  <a:t> </a:t>
+                </a:r>
+                <a:r>
+                  <a:rPr lang="es-ES" dirty="0" err="1"/>
+                  <a:t>shape</a:t>
+                </a:r>
+                <a:r>
+                  <a:rPr lang="es-ES" dirty="0"/>
+                  <a:t> </a:t>
+                </a:r>
+                <a:r>
+                  <a:rPr lang="es-ES" dirty="0" err="1"/>
+                  <a:t>of</a:t>
+                </a:r>
+                <a:r>
+                  <a:rPr lang="es-ES" dirty="0"/>
+                  <a:t> </a:t>
+                </a:r>
+                <a:r>
+                  <a:rPr lang="es-ES" dirty="0" err="1"/>
+                  <a:t>the</a:t>
+                </a:r>
+                <a:r>
+                  <a:rPr lang="es-ES" dirty="0"/>
+                  <a:t> </a:t>
+                </a:r>
+                <a:r>
+                  <a:rPr lang="es-ES" dirty="0" err="1"/>
+                  <a:t>resulting</a:t>
+                </a:r>
+                <a:r>
+                  <a:rPr lang="es-ES" dirty="0"/>
+                  <a:t> </a:t>
+                </a:r>
+                <a:r>
+                  <a:rPr lang="es-ES" dirty="0" err="1"/>
+                  <a:t>histogram</a:t>
+                </a:r>
+                <a:r>
+                  <a:rPr lang="es-ES" dirty="0"/>
+                  <a:t>, </a:t>
+                </a:r>
+                <a:r>
+                  <a:rPr lang="es-ES" dirty="0" err="1"/>
+                  <a:t>the</a:t>
+                </a:r>
+                <a:r>
+                  <a:rPr lang="es-ES" dirty="0"/>
+                  <a:t> </a:t>
+                </a:r>
+                <a:r>
+                  <a:rPr lang="es-ES" dirty="0" err="1"/>
+                  <a:t>image</a:t>
+                </a:r>
+                <a:r>
+                  <a:rPr lang="es-ES" dirty="0"/>
+                  <a:t> </a:t>
+                </a:r>
+                <a:r>
+                  <a:rPr lang="es-ES" dirty="0" err="1"/>
+                  <a:t>should</a:t>
+                </a:r>
+                <a:r>
+                  <a:rPr lang="es-ES" dirty="0"/>
+                  <a:t> be </a:t>
+                </a:r>
+                <a:r>
+                  <a:rPr lang="es-ES" dirty="0" err="1"/>
+                  <a:t>corrected</a:t>
+                </a:r>
+                <a:endParaRPr lang="es-ES" dirty="0"/>
+              </a:p>
+              <a:p>
+                <a:r>
                   <a:rPr lang="en-US" dirty="0"/>
-                  <a:t>C</a:t>
-                </a:r>
-                <a:r>
-                  <a:rPr lang="en-US" baseline="-25000" dirty="0"/>
-                  <a:t>i</a:t>
+                  <a:t>Correcting the gain/</a:t>
+                </a:r>
+                <a:r>
+                  <a:rPr lang="en-US" dirty="0" err="1"/>
+                  <a:t>offet</a:t>
                 </a:r>
                 <a:r>
                   <a:rPr lang="en-US" dirty="0"/>
-                  <a:t>(</a:t>
-                </a:r>
-                <a:r>
-                  <a:rPr lang="en-US" dirty="0" err="1"/>
-                  <a:t>x,y</a:t>
-                </a:r>
-                <a:r>
-                  <a:rPr lang="en-US" dirty="0"/>
-                  <a:t>) = </a:t>
-                </a:r>
-                <a:r>
-                  <a:rPr lang="el-GR" dirty="0">
-                    <a:effectLst/>
-                  </a:rPr>
-                  <a:t>β</a:t>
-                </a:r>
-                <a:r>
-                  <a:rPr lang="en-US" dirty="0">
-                    <a:effectLst/>
-                  </a:rPr>
-                  <a:t>*log(</a:t>
-                </a:r>
-                <a:r>
-                  <a:rPr lang="el-GR" dirty="0">
-                    <a:effectLst/>
-                  </a:rPr>
-                  <a:t>α</a:t>
-                </a:r>
-                <a:r>
-                  <a:rPr lang="en-US" dirty="0">
-                    <a:effectLst/>
-                  </a:rPr>
-                  <a:t>* </a:t>
-                </a:r>
-                <a:r>
-                  <a:rPr lang="en-US" dirty="0" err="1">
-                    <a:effectLst/>
-                  </a:rPr>
-                  <a:t>I’</a:t>
-                </a:r>
-                <a:r>
-                  <a:rPr lang="en-US" baseline="-25000" dirty="0" err="1">
-                    <a:effectLst/>
-                  </a:rPr>
-                  <a:t>i</a:t>
-                </a:r>
-                <a:r>
-                  <a:rPr lang="en-US" dirty="0">
-                    <a:effectLst/>
-                  </a:rPr>
-                  <a:t>(</a:t>
-                </a:r>
-                <a:r>
-                  <a:rPr lang="en-US" dirty="0" err="1">
-                    <a:effectLst/>
-                  </a:rPr>
-                  <a:t>x,y</a:t>
-                </a:r>
-                <a:r>
-                  <a:rPr lang="en-US" dirty="0">
-                    <a:effectLst/>
-                  </a:rPr>
-                  <a:t>))</a:t>
-                </a:r>
-                <a:endParaRPr lang="en-US" dirty="0"/>
+                  <a:t> of MSRCR is done using:</a:t>
+                </a:r>
               </a:p>
               <a:p>
                 <a:pPr lvl="1"/>
@@ -7319,16 +7509,12 @@
                   <a:t>MSRCRi</a:t>
                 </a:r>
                 <a:r>
+                  <a:rPr lang="es-ES" baseline="-25000" dirty="0"/>
+                  <a:t> </a:t>
+                </a:r>
+                <a:r>
                   <a:rPr lang="es-ES" dirty="0"/>
-                  <a:t> (x, y) = C</a:t>
-                </a:r>
-                <a:r>
-                  <a:rPr lang="es-ES" baseline="-25000" dirty="0"/>
-                  <a:t>i</a:t>
-                </a:r>
-                <a:r>
-                  <a:rPr lang="es-ES" dirty="0"/>
-                  <a:t>(x, y)*</a:t>
+                  <a:t>(x, y) = G[</a:t>
                 </a:r>
                 <a:r>
                   <a:rPr lang="es-ES" dirty="0" err="1"/>
@@ -7336,151 +7522,11 @@
                 </a:r>
                 <a:r>
                   <a:rPr lang="es-ES" baseline="-25000" dirty="0" err="1"/>
-                  <a:t>MSRi</a:t>
+                  <a:t>MSRCRi</a:t>
                 </a:r>
                 <a:r>
                   <a:rPr lang="es-ES" dirty="0"/>
-                  <a:t> (x, y)</a:t>
-                </a:r>
-              </a:p>
-              <a:p>
-                <a:r>
-                  <a:rPr lang="es-ES" dirty="0" err="1"/>
-                  <a:t>Because</a:t>
-                </a:r>
-                <a:r>
-                  <a:rPr lang="es-ES" dirty="0"/>
-                  <a:t> </a:t>
-                </a:r>
-                <a:r>
-                  <a:rPr lang="es-ES" dirty="0" err="1"/>
-                  <a:t>of</a:t>
-                </a:r>
-                <a:r>
-                  <a:rPr lang="es-ES" dirty="0"/>
-                  <a:t> </a:t>
-                </a:r>
-                <a:r>
-                  <a:rPr lang="es-ES" dirty="0" err="1"/>
-                  <a:t>the</a:t>
-                </a:r>
-                <a:r>
-                  <a:rPr lang="es-ES" dirty="0"/>
-                  <a:t> </a:t>
-                </a:r>
-                <a:r>
-                  <a:rPr lang="es-ES" dirty="0" err="1"/>
-                  <a:t>shape</a:t>
-                </a:r>
-                <a:r>
-                  <a:rPr lang="es-ES" dirty="0"/>
-                  <a:t> </a:t>
-                </a:r>
-                <a:r>
-                  <a:rPr lang="es-ES" dirty="0" err="1"/>
-                  <a:t>of</a:t>
-                </a:r>
-                <a:r>
-                  <a:rPr lang="es-ES" dirty="0"/>
-                  <a:t> </a:t>
-                </a:r>
-                <a:r>
-                  <a:rPr lang="es-ES" dirty="0" err="1"/>
-                  <a:t>the</a:t>
-                </a:r>
-                <a:r>
-                  <a:rPr lang="es-ES" dirty="0"/>
-                  <a:t> </a:t>
-                </a:r>
-                <a:r>
-                  <a:rPr lang="es-ES" dirty="0" err="1"/>
-                  <a:t>resulting</a:t>
-                </a:r>
-                <a:r>
-                  <a:rPr lang="es-ES" dirty="0"/>
-                  <a:t> </a:t>
-                </a:r>
-                <a:r>
-                  <a:rPr lang="es-ES" dirty="0" err="1"/>
-                  <a:t>histogram</a:t>
-                </a:r>
-                <a:r>
-                  <a:rPr lang="es-ES" dirty="0"/>
-                  <a:t>, </a:t>
-                </a:r>
-                <a:r>
-                  <a:rPr lang="es-ES" dirty="0" err="1"/>
-                  <a:t>the</a:t>
-                </a:r>
-                <a:r>
-                  <a:rPr lang="es-ES" dirty="0"/>
-                  <a:t> </a:t>
-                </a:r>
-                <a:r>
-                  <a:rPr lang="es-ES" dirty="0" err="1"/>
-                  <a:t>image</a:t>
-                </a:r>
-                <a:r>
-                  <a:rPr lang="es-ES" dirty="0"/>
-                  <a:t> </a:t>
-                </a:r>
-                <a:r>
-                  <a:rPr lang="es-ES" dirty="0" err="1"/>
-                  <a:t>should</a:t>
-                </a:r>
-                <a:r>
-                  <a:rPr lang="es-ES" dirty="0"/>
-                  <a:t> be </a:t>
-                </a:r>
-                <a:r>
-                  <a:rPr lang="es-ES" dirty="0" err="1"/>
-                  <a:t>corrected</a:t>
-                </a:r>
-                <a:endParaRPr lang="es-ES" dirty="0"/>
-              </a:p>
-              <a:p>
-                <a:r>
-                  <a:rPr lang="en-US" dirty="0"/>
-                  <a:t>Correcting the gain/</a:t>
-                </a:r>
-                <a:r>
-                  <a:rPr lang="en-US" dirty="0" err="1"/>
-                  <a:t>offet</a:t>
-                </a:r>
-                <a:r>
-                  <a:rPr lang="en-US" dirty="0"/>
-                  <a:t> of MSRCR is done using:</a:t>
-                </a:r>
-              </a:p>
-              <a:p>
-                <a:pPr lvl="1"/>
-                <a:r>
-                  <a:rPr lang="es-ES" dirty="0" err="1"/>
-                  <a:t>R</a:t>
-                </a:r>
-                <a:r>
-                  <a:rPr lang="es-ES" baseline="-25000" dirty="0" err="1"/>
-                  <a:t>MSRCRi</a:t>
-                </a:r>
-                <a:r>
-                  <a:rPr lang="es-ES" baseline="-25000" dirty="0"/>
-                  <a:t> </a:t>
-                </a:r>
-                <a:r>
-                  <a:rPr lang="es-ES" dirty="0"/>
-                  <a:t>(x, y) = G[</a:t>
-                </a:r>
-                <a:r>
-                  <a:rPr lang="es-ES" dirty="0" err="1"/>
-                  <a:t>R</a:t>
-                </a:r>
-                <a:r>
-                  <a:rPr lang="es-ES" baseline="-25000" dirty="0" err="1"/>
-                  <a:t>MSRCRi</a:t>
-                </a:r>
-                <a:r>
-                  <a:rPr lang="es-ES" dirty="0"/>
-                  <a:t> (x, y) − b]</a:t>
+                  <a:t> (x, y) − b]   (G= 5, b = 25)</a:t>
                 </a:r>
                 <a:endParaRPr lang="ro-RO" dirty="0"/>
               </a:p>
@@ -7612,8 +7658,8 @@
           </a:p>
         </p:txBody>
       </p:sp>
-      <mc:AlternateContent xmlns:mc="http://schemas.openxmlformats.org/markup-compatibility/2006">
-        <mc:Choice xmlns:a14="http://schemas.microsoft.com/office/drawing/2010/main" Requires="a14">
+      <mc:AlternateContent xmlns:mc="http://schemas.openxmlformats.org/markup-compatibility/2006" xmlns:a14="http://schemas.microsoft.com/office/drawing/2010/main">
+        <mc:Choice Requires="a14">
           <p:sp>
             <p:nvSpPr>
               <p:cNvPr id="3" name="Content Placeholder 2">
@@ -7880,7 +7926,7 @@
             </p:txBody>
           </p:sp>
         </mc:Choice>
-        <mc:Fallback>
+        <mc:Fallback xmlns="">
           <p:sp>
             <p:nvSpPr>
               <p:cNvPr id="3" name="Content Placeholder 2">
@@ -8034,7 +8080,7 @@
             </a:pPr>
             <a:r>
               <a:rPr lang="en-US" dirty="0"/>
-              <a:t>Most of the time MSRCP performs better, but for images with a correct color distribution and white lightning, the result of applying MSRCP better preserves the color distribution</a:t>
+              <a:t>Most of the time MSRCP performs better, but for images with a correct color distribution and white lightning, the result of applying MSRCR better preserves the color distribution</a:t>
             </a:r>
           </a:p>
           <a:p>
